--- a/app/output/due_diligence_report.pptx
+++ b/app/output/due_diligence_report.pptx
@@ -7,8 +7,13 @@
   <p:sldIdLst>
     <p:sldId id="256" r:id="rId7"/>
     <p:sldId id="257" r:id="rId8"/>
+    <p:sldId id="258" r:id="rId9"/>
+    <p:sldId id="259" r:id="rId10"/>
+    <p:sldId id="260" r:id="rId11"/>
+    <p:sldId id="261" r:id="rId12"/>
+    <p:sldId id="262" r:id="rId13"/>
   </p:sldIdLst>
-  <p:sldSz cx="9144000" cy="6858000" type="screen4x3"/>
+  <p:sldSz cx="10972800" cy="6858000" type="screen4x3"/>
   <p:notesSz cx="6858000" cy="9144000"/>
   <p:defaultTextStyle>
     <a:defPPr>
@@ -106,6 +111,228 @@
     </a:lvl9pPr>
   </p:defaultTextStyle>
 </p:presentation>
+</file>
+
+<file path=ppt/charts/chart1.xml><?xml version="1.0" encoding="utf-8"?>
+<c:chartSpace xmlns:c="http://schemas.openxmlformats.org/drawingml/2006/chart" xmlns:a="http://schemas.openxmlformats.org/drawingml/2006/main" xmlns:r="http://schemas.openxmlformats.org/officeDocument/2006/relationships">
+  <c:date1904 val="0"/>
+  <c:roundedCorners val="0"/>
+  <c:chart>
+    <c:title>
+      <c:tx>
+        <c:rich>
+          <a:bodyPr/>
+          <a:lstStyle/>
+          <a:p>
+            <a:r>
+              <a:t>Risk Scores by Topic (0-100)</a:t>
+            </a:r>
+          </a:p>
+        </c:rich>
+      </c:tx>
+      <c:layout/>
+      <c:overlay val="0"/>
+    </c:title>
+    <c:autoTitleDeleted val="0"/>
+    <c:plotArea>
+      <c:layout/>
+      <c:areaChart>
+        <c:grouping val="standard"/>
+        <c:varyColors val="0"/>
+        <c:ser>
+          <c:idx val="0"/>
+          <c:order val="0"/>
+          <c:tx>
+            <c:strRef>
+              <c:f>Sheet1!$B$1</c:f>
+              <c:strCache>
+                <c:ptCount val="1"/>
+                <c:pt idx="0">
+                  <c:v>Risk Score</c:v>
+                </c:pt>
+              </c:strCache>
+            </c:strRef>
+          </c:tx>
+          <c:cat>
+            <c:strRef>
+              <c:f>Sheet1!$A$2:$A$15</c:f>
+              <c:strCache>
+                <c:ptCount val="14"/>
+                <c:pt idx="0">
+                  <c:v>AML / KYC</c:v>
+                </c:pt>
+                <c:pt idx="1">
+                  <c:v>Community &amp; UX</c:v>
+                </c:pt>
+                <c:pt idx="2">
+                  <c:v>Custody &amp; Asset Security</c:v>
+                </c:pt>
+                <c:pt idx="3">
+                  <c:v>Cybersecurity &amp; Data Privacy</c:v>
+                </c:pt>
+                <c:pt idx="4">
+                  <c:v>ESG &amp; Sustainability</c:v>
+                </c:pt>
+                <c:pt idx="5">
+                  <c:v>Financial Health</c:v>
+                </c:pt>
+                <c:pt idx="6">
+                  <c:v>Future Outlook</c:v>
+                </c:pt>
+                <c:pt idx="7">
+                  <c:v>Governance</c:v>
+                </c:pt>
+                <c:pt idx="8">
+                  <c:v>IP &amp; Contracts</c:v>
+                </c:pt>
+                <c:pt idx="9">
+                  <c:v>Legal &amp; Regulatory</c:v>
+                </c:pt>
+                <c:pt idx="10">
+                  <c:v>Risk Management</c:v>
+                </c:pt>
+                <c:pt idx="11">
+                  <c:v>Strategy &amp; Competitive Positioning</c:v>
+                </c:pt>
+                <c:pt idx="12">
+                  <c:v>Technology &amp; Infrastructure</c:v>
+                </c:pt>
+                <c:pt idx="13">
+                  <c:v>Tokenomics &amp; Trading Integrity</c:v>
+                </c:pt>
+              </c:strCache>
+            </c:strRef>
+          </c:cat>
+          <c:val>
+            <c:numRef>
+              <c:f>Sheet1!$B$2:$B$15</c:f>
+              <c:numCache>
+                <c:formatCode>General</c:formatCode>
+                <c:ptCount val="14"/>
+                <c:pt idx="0">
+                  <c:v>100</c:v>
+                </c:pt>
+                <c:pt idx="1">
+                  <c:v>25.2</c:v>
+                </c:pt>
+                <c:pt idx="2">
+                  <c:v>50.0</c:v>
+                </c:pt>
+                <c:pt idx="3">
+                  <c:v>30.000000000000004</c:v>
+                </c:pt>
+                <c:pt idx="4">
+                  <c:v>8.066666666666666</c:v>
+                </c:pt>
+                <c:pt idx="5">
+                  <c:v>24.0</c:v>
+                </c:pt>
+                <c:pt idx="6">
+                  <c:v>9.6</c:v>
+                </c:pt>
+                <c:pt idx="7">
+                  <c:v>43.199999999999996</c:v>
+                </c:pt>
+                <c:pt idx="8">
+                  <c:v>14.399999999999999</c:v>
+                </c:pt>
+                <c:pt idx="9">
+                  <c:v>62.5</c:v>
+                </c:pt>
+                <c:pt idx="10">
+                  <c:v>18.211764705882356</c:v>
+                </c:pt>
+                <c:pt idx="11">
+                  <c:v>10.0</c:v>
+                </c:pt>
+                <c:pt idx="12">
+                  <c:v>15.2</c:v>
+                </c:pt>
+                <c:pt idx="13">
+                  <c:v>22.5</c:v>
+                </c:pt>
+              </c:numCache>
+            </c:numRef>
+          </c:val>
+        </c:ser>
+        <c:dLbls>
+          <c:showLegendKey val="0"/>
+          <c:showVal val="0"/>
+          <c:showCatName val="0"/>
+          <c:showSerName val="0"/>
+          <c:showPercent val="0"/>
+          <c:showBubbleSize val="0"/>
+        </c:dLbls>
+        <c:axId val="-2101159928"/>
+        <c:axId val="-2100718248"/>
+      </c:areaChart>
+      <c:catAx>
+        <c:axId val="-2101159928"/>
+        <c:scaling>
+          <c:orientation val="minMax"/>
+        </c:scaling>
+        <c:delete val="0"/>
+        <c:axPos val="b"/>
+        <c:numFmt formatCode="General" sourceLinked="1"/>
+        <c:majorTickMark val="out"/>
+        <c:minorTickMark val="none"/>
+        <c:tickLblPos val="nextTo"/>
+        <c:txPr>
+          <a:bodyPr/>
+          <a:lstStyle/>
+          <a:p>
+            <a:pPr>
+              <a:defRPr sz="1000"/>
+            </a:pPr>
+          </a:p>
+        </c:txPr>
+        <c:crossAx val="-2100718248"/>
+        <c:crosses val="autoZero"/>
+        <c:auto val="1"/>
+        <c:lblAlgn val="ctr"/>
+        <c:lblOffset val="100"/>
+        <c:noMultiLvlLbl val="0"/>
+      </c:catAx>
+      <c:valAx>
+        <c:axId val="-2100718248"/>
+        <c:scaling>
+          <c:orientation val="minMax"/>
+        </c:scaling>
+        <c:delete val="0"/>
+        <c:axPos val="l"/>
+        <c:majorGridlines/>
+        <c:numFmt formatCode="General" sourceLinked="1"/>
+        <c:majorTickMark val="out"/>
+        <c:minorTickMark val="none"/>
+        <c:tickLblPos val="nextTo"/>
+        <c:crossAx val="-2101159928"/>
+        <c:crosses val="autoZero"/>
+        <c:crossBetween val="midCat"/>
+      </c:valAx>
+    </c:plotArea>
+    <c:legend>
+      <c:legendPos val="b"/>
+      <c:layout/>
+      <c:overlay val="0"/>
+    </c:legend>
+    <c:plotVisOnly val="1"/>
+    <c:dispBlanksAs val="zero"/>
+    <c:showDLblsOverMax val="0"/>
+  </c:chart>
+  <c:txPr>
+    <a:bodyPr/>
+    <a:lstStyle/>
+    <a:p>
+      <a:pPr>
+        <a:defRPr sz="1800"/>
+      </a:pPr>
+      <a:endParaRPr/>
+    </a:p>
+  </c:txPr>
+  <c:externalData r:id="rId1">
+    <c:autoUpdate val="0"/>
+  </c:externalData>
+</c:chartSpace>
 </file>
 
 <file path=ppt/slideLayouts/slideLayout1.xml><?xml version="1.0" encoding="utf-8"?>
@@ -3082,6 +3309,22 @@
 <file path=ppt/slides/slide1.xml><?xml version="1.0" encoding="utf-8"?>
 <p:sld xmlns:a="http://schemas.openxmlformats.org/drawingml/2006/main" xmlns:p="http://schemas.openxmlformats.org/presentationml/2006/main" xmlns:r="http://schemas.openxmlformats.org/officeDocument/2006/relationships">
   <p:cSld>
+    <p:bg>
+      <p:bgPr>
+        <a:gradFill rotWithShape="1">
+          <a:gsLst>
+            <a:gs pos="0">
+              <a:srgbClr val="FFFFFF"/>
+            </a:gs>
+            <a:gs pos="100000">
+              <a:srgbClr val="FFFFFF"/>
+            </a:gs>
+          </a:gsLst>
+          <a:lin scaled="0"/>
+        </a:gradFill>
+        <a:effectLst/>
+      </p:bgPr>
+    </p:bg>
     <p:spTree>
       <p:nvGrpSpPr>
         <p:cNvPr id="1" name=""/>
@@ -3104,8 +3347,16 @@
           <a:bodyPr/>
           <a:lstStyle/>
           <a:p>
-            <a:r>
-              <a:t>Due Diligence Report</a:t>
+            <a:pPr>
+              <a:defRPr sz="3600" b="1">
+                <a:solidFill>
+                  <a:srgbClr val="365FC7"/>
+                </a:solidFill>
+                <a:latin typeface="Montserrat"/>
+              </a:defRPr>
+            </a:pPr>
+            <a:r>
+              <a:t>the CryptoBazar Due Diligence Analytics</a:t>
             </a:r>
           </a:p>
         </p:txBody>
@@ -3125,18 +3376,100 @@
           <a:bodyPr/>
           <a:lstStyle/>
           <a:p>
-            <a:r>
-              <a:t>Prepared for: [Company Name]</a:t>
-            </a:r>
-          </a:p>
-          <a:p>
-            <a:r>
-              <a:t>Generated by: DueXpert AI</a:t>
-            </a:r>
-          </a:p>
-          <a:p>
-            <a:r>
-              <a:t>Date: 2025-04-24</a:t>
+            <a:pPr>
+              <a:defRPr sz="2000">
+                <a:solidFill>
+                  <a:srgbClr val="000000"/>
+                </a:solidFill>
+                <a:latin typeface="Montserrat"/>
+              </a:defRPr>
+            </a:pPr>
+            <a:r>
+              <a:t>Prepared by DueXpert AI | 2025-05-16</a:t>
+            </a:r>
+          </a:p>
+        </p:txBody>
+      </p:sp>
+      <p:pic>
+        <p:nvPicPr>
+          <p:cNvPr id="4" name="Picture 3" descr="dueexpert.png"/>
+          <p:cNvPicPr>
+            <a:picLocks noChangeAspect="1"/>
+          </p:cNvPicPr>
+          <p:nvPr/>
+        </p:nvPicPr>
+        <p:blipFill>
+          <a:blip r:embed="rId2"/>
+          <a:stretch>
+            <a:fillRect/>
+          </a:stretch>
+        </p:blipFill>
+        <p:spPr>
+          <a:xfrm>
+            <a:off x="274320" y="91440"/>
+            <a:ext cx="2342917" cy="548640"/>
+          </a:xfrm>
+          <a:prstGeom prst="rect">
+            <a:avLst/>
+          </a:prstGeom>
+        </p:spPr>
+      </p:pic>
+      <p:pic>
+        <p:nvPicPr>
+          <p:cNvPr id="5" name="Picture 4" descr="VALUE.png"/>
+          <p:cNvPicPr>
+            <a:picLocks noChangeAspect="1"/>
+          </p:cNvPicPr>
+          <p:nvPr/>
+        </p:nvPicPr>
+        <p:blipFill>
+          <a:blip r:embed="rId3"/>
+          <a:stretch>
+            <a:fillRect/>
+          </a:stretch>
+        </p:blipFill>
+        <p:spPr>
+          <a:xfrm>
+            <a:off x="9418320" y="6126480"/>
+            <a:ext cx="1405150" cy="548640"/>
+          </a:xfrm>
+          <a:prstGeom prst="rect">
+            <a:avLst/>
+          </a:prstGeom>
+        </p:spPr>
+      </p:pic>
+      <p:sp>
+        <p:nvSpPr>
+          <p:cNvPr id="6" name="TextBox 5"/>
+          <p:cNvSpPr txBox="1"/>
+          <p:nvPr/>
+        </p:nvSpPr>
+        <p:spPr>
+          <a:xfrm>
+            <a:off x="457200" y="6400800"/>
+            <a:ext cx="8229600" cy="274320"/>
+          </a:xfrm>
+          <a:prstGeom prst="rect">
+            <a:avLst/>
+          </a:prstGeom>
+          <a:noFill/>
+        </p:spPr>
+        <p:txBody>
+          <a:bodyPr wrap="none">
+            <a:spAutoFit/>
+          </a:bodyPr>
+          <a:lstStyle/>
+          <a:p>
+            <a:pPr>
+              <a:defRPr sz="1000" b="1">
+                <a:solidFill>
+                  <a:srgbClr val="000000"/>
+                </a:solidFill>
+                <a:latin typeface="Montserrat"/>
+              </a:defRPr>
+            </a:pPr>
+            <a:r>
+              <a:t>DueXpert – AI Crypto Fund Due Diligence Suite | General</a:t>
             </a:r>
           </a:p>
         </p:txBody>
@@ -3152,6 +3485,22 @@
 <file path=ppt/slides/slide2.xml><?xml version="1.0" encoding="utf-8"?>
 <p:sld xmlns:a="http://schemas.openxmlformats.org/drawingml/2006/main" xmlns:p="http://schemas.openxmlformats.org/presentationml/2006/main" xmlns:r="http://schemas.openxmlformats.org/officeDocument/2006/relationships">
   <p:cSld>
+    <p:bg>
+      <p:bgPr>
+        <a:gradFill rotWithShape="1">
+          <a:gsLst>
+            <a:gs pos="0">
+              <a:srgbClr val="FFFFFF"/>
+            </a:gs>
+            <a:gs pos="100000">
+              <a:srgbClr val="FFFFFF"/>
+            </a:gs>
+          </a:gsLst>
+          <a:lin scaled="0"/>
+        </a:gradFill>
+        <a:effectLst/>
+      </p:bgPr>
+    </p:bg>
     <p:spTree>
       <p:nvGrpSpPr>
         <p:cNvPr id="1" name=""/>
@@ -3159,21 +3508,120 @@
         <p:nvPr/>
       </p:nvGrpSpPr>
       <p:grpSpPr/>
-      <p:sp>
-        <p:nvSpPr>
-          <p:cNvPr id="2" name="Title 1"/>
-          <p:cNvSpPr>
-            <a:spLocks noGrp="1"/>
-          </p:cNvSpPr>
-          <p:nvPr>
-            <p:ph type="title"/>
-          </p:nvPr>
-        </p:nvSpPr>
-        <p:spPr/>
-        <p:txBody>
-          <a:bodyPr/>
-          <a:lstStyle/>
-          <a:p>
+      <p:pic>
+        <p:nvPicPr>
+          <p:cNvPr id="2" name="Picture 1" descr="dueexpert.png"/>
+          <p:cNvPicPr>
+            <a:picLocks noChangeAspect="1"/>
+          </p:cNvPicPr>
+          <p:nvPr/>
+        </p:nvPicPr>
+        <p:blipFill>
+          <a:blip r:embed="rId2"/>
+          <a:stretch>
+            <a:fillRect/>
+          </a:stretch>
+        </p:blipFill>
+        <p:spPr>
+          <a:xfrm>
+            <a:off x="274320" y="91440"/>
+            <a:ext cx="2342917" cy="548640"/>
+          </a:xfrm>
+          <a:prstGeom prst="rect">
+            <a:avLst/>
+          </a:prstGeom>
+        </p:spPr>
+      </p:pic>
+      <p:pic>
+        <p:nvPicPr>
+          <p:cNvPr id="3" name="Picture 2" descr="VALUE.png"/>
+          <p:cNvPicPr>
+            <a:picLocks noChangeAspect="1"/>
+          </p:cNvPicPr>
+          <p:nvPr/>
+        </p:nvPicPr>
+        <p:blipFill>
+          <a:blip r:embed="rId3"/>
+          <a:stretch>
+            <a:fillRect/>
+          </a:stretch>
+        </p:blipFill>
+        <p:spPr>
+          <a:xfrm>
+            <a:off x="9418320" y="6126480"/>
+            <a:ext cx="1405150" cy="548640"/>
+          </a:xfrm>
+          <a:prstGeom prst="rect">
+            <a:avLst/>
+          </a:prstGeom>
+        </p:spPr>
+      </p:pic>
+      <p:sp>
+        <p:nvSpPr>
+          <p:cNvPr id="4" name="TextBox 3"/>
+          <p:cNvSpPr txBox="1"/>
+          <p:nvPr/>
+        </p:nvSpPr>
+        <p:spPr>
+          <a:xfrm>
+            <a:off x="457200" y="6400800"/>
+            <a:ext cx="8229600" cy="274320"/>
+          </a:xfrm>
+          <a:prstGeom prst="rect">
+            <a:avLst/>
+          </a:prstGeom>
+          <a:noFill/>
+        </p:spPr>
+        <p:txBody>
+          <a:bodyPr wrap="none">
+            <a:spAutoFit/>
+          </a:bodyPr>
+          <a:lstStyle/>
+          <a:p>
+            <a:pPr>
+              <a:defRPr sz="1000" b="1">
+                <a:solidFill>
+                  <a:srgbClr val="000000"/>
+                </a:solidFill>
+                <a:latin typeface="Montserrat"/>
+              </a:defRPr>
+            </a:pPr>
+            <a:r>
+              <a:t>DueXpert – AI Crypto Fund Due Diligence Suite | Table of Contents</a:t>
+            </a:r>
+          </a:p>
+        </p:txBody>
+      </p:sp>
+      <p:sp>
+        <p:nvSpPr>
+          <p:cNvPr id="5" name="TextBox 4"/>
+          <p:cNvSpPr txBox="1"/>
+          <p:nvPr/>
+        </p:nvSpPr>
+        <p:spPr>
+          <a:xfrm>
+            <a:off x="731520" y="457200"/>
+            <a:ext cx="7315200" cy="457200"/>
+          </a:xfrm>
+          <a:prstGeom prst="rect">
+            <a:avLst/>
+          </a:prstGeom>
+          <a:noFill/>
+        </p:spPr>
+        <p:txBody>
+          <a:bodyPr wrap="none">
+            <a:spAutoFit/>
+          </a:bodyPr>
+          <a:lstStyle/>
+          <a:p>
+            <a:pPr>
+              <a:defRPr sz="2800" b="1">
+                <a:solidFill>
+                  <a:srgbClr val="365FC7"/>
+                </a:solidFill>
+                <a:latin typeface="Montserrat"/>
+              </a:defRPr>
+            </a:pPr>
             <a:r>
               <a:t>Table of Contents</a:t>
             </a:r>
@@ -3182,72 +3630,1869 @@
       </p:sp>
       <p:sp>
         <p:nvSpPr>
-          <p:cNvPr id="3" name="Content Placeholder 2"/>
-          <p:cNvSpPr>
-            <a:spLocks noGrp="1"/>
-          </p:cNvSpPr>
-          <p:nvPr>
-            <p:ph idx="1"/>
-          </p:nvPr>
-        </p:nvSpPr>
-        <p:spPr/>
-        <p:txBody>
-          <a:bodyPr/>
+          <p:cNvPr id="6" name="TextBox 5"/>
+          <p:cNvSpPr txBox="1"/>
+          <p:nvPr/>
+        </p:nvSpPr>
+        <p:spPr>
+          <a:xfrm>
+            <a:off x="731520" y="1097280"/>
+            <a:ext cx="7772400" cy="5029200"/>
+          </a:xfrm>
+          <a:prstGeom prst="rect">
+            <a:avLst/>
+          </a:prstGeom>
+          <a:noFill/>
+        </p:spPr>
+        <p:txBody>
+          <a:bodyPr wrap="square">
+            <a:spAutoFit/>
+          </a:bodyPr>
           <a:lstStyle/>
           <a:p/>
           <a:p>
-            <a:r>
-              <a:t>1. Management Summary</a:t>
-            </a:r>
-          </a:p>
-          <a:p>
-            <a:r>
-              <a:t>2. Corporate Structure and Ownership</a:t>
-            </a:r>
-          </a:p>
-          <a:p>
-            <a:r>
-              <a:t>3. Financial</a:t>
-            </a:r>
-          </a:p>
-          <a:p>
-            <a:r>
-              <a:t>4. Business Plan</a:t>
-            </a:r>
-          </a:p>
-          <a:p>
-            <a:r>
-              <a:t>5. Sales and Marketing</a:t>
-            </a:r>
-          </a:p>
-          <a:p>
-            <a:r>
-              <a:t>6. Assets</a:t>
-            </a:r>
-          </a:p>
-          <a:p>
-            <a:r>
-              <a:t>7. Management and Staff</a:t>
-            </a:r>
-          </a:p>
-          <a:p>
-            <a:r>
-              <a:t>8. Operations</a:t>
-            </a:r>
-          </a:p>
-          <a:p>
-            <a:r>
-              <a:t>9. Risks</a:t>
-            </a:r>
-          </a:p>
-          <a:p>
-            <a:r>
-              <a:t>10. Other Observations</a:t>
-            </a:r>
-          </a:p>
-          <a:p>
-            <a:r>
-              <a:t>11. Recommendations</a:t>
+            <a:pPr>
+              <a:defRPr sz="1600">
+                <a:solidFill>
+                  <a:srgbClr val="000000"/>
+                </a:solidFill>
+                <a:latin typeface="Montserrat"/>
+              </a:defRPr>
+            </a:pPr>
+            <a:r>
+              <a:t>2. Key Summary and Findings</a:t>
+            </a:r>
+          </a:p>
+          <a:p>
+            <a:pPr>
+              <a:defRPr sz="1600">
+                <a:solidFill>
+                  <a:srgbClr val="000000"/>
+                </a:solidFill>
+                <a:latin typeface="Montserrat"/>
+              </a:defRPr>
+            </a:pPr>
+            <a:r>
+              <a:t>3. Issues Faced</a:t>
+            </a:r>
+          </a:p>
+          <a:p>
+            <a:pPr>
+              <a:defRPr sz="1600">
+                <a:solidFill>
+                  <a:srgbClr val="000000"/>
+                </a:solidFill>
+                <a:latin typeface="Montserrat"/>
+              </a:defRPr>
+            </a:pPr>
+            <a:r>
+              <a:t>4. Risk Scoring</a:t>
+            </a:r>
+          </a:p>
+          <a:p>
+            <a:pPr>
+              <a:defRPr sz="1600">
+                <a:solidFill>
+                  <a:srgbClr val="000000"/>
+                </a:solidFill>
+                <a:latin typeface="Montserrat"/>
+              </a:defRPr>
+            </a:pPr>
+            <a:r>
+              <a:t>5. Risk Visualization</a:t>
+            </a:r>
+          </a:p>
+          <a:p>
+            <a:pPr>
+              <a:defRPr sz="1600">
+                <a:solidFill>
+                  <a:srgbClr val="000000"/>
+                </a:solidFill>
+                <a:latin typeface="Montserrat"/>
+              </a:defRPr>
+            </a:pPr>
+            <a:r>
+              <a:t>6. Recommendations</a:t>
+            </a:r>
+          </a:p>
+        </p:txBody>
+      </p:sp>
+    </p:spTree>
+  </p:cSld>
+  <p:clrMapOvr>
+    <a:masterClrMapping/>
+  </p:clrMapOvr>
+</p:sld>
+</file>
+
+<file path=ppt/slides/slide3.xml><?xml version="1.0" encoding="utf-8"?>
+<p:sld xmlns:a="http://schemas.openxmlformats.org/drawingml/2006/main" xmlns:p="http://schemas.openxmlformats.org/presentationml/2006/main" xmlns:r="http://schemas.openxmlformats.org/officeDocument/2006/relationships">
+  <p:cSld>
+    <p:bg>
+      <p:bgPr>
+        <a:gradFill rotWithShape="1">
+          <a:gsLst>
+            <a:gs pos="0">
+              <a:srgbClr val="FFFFFF"/>
+            </a:gs>
+            <a:gs pos="100000">
+              <a:srgbClr val="FFFFFF"/>
+            </a:gs>
+          </a:gsLst>
+          <a:lin scaled="0"/>
+        </a:gradFill>
+        <a:effectLst/>
+      </p:bgPr>
+    </p:bg>
+    <p:spTree>
+      <p:nvGrpSpPr>
+        <p:cNvPr id="1" name=""/>
+        <p:cNvGrpSpPr/>
+        <p:nvPr/>
+      </p:nvGrpSpPr>
+      <p:grpSpPr/>
+      <p:pic>
+        <p:nvPicPr>
+          <p:cNvPr id="2" name="Picture 1" descr="dueexpert.png"/>
+          <p:cNvPicPr>
+            <a:picLocks noChangeAspect="1"/>
+          </p:cNvPicPr>
+          <p:nvPr/>
+        </p:nvPicPr>
+        <p:blipFill>
+          <a:blip r:embed="rId2"/>
+          <a:stretch>
+            <a:fillRect/>
+          </a:stretch>
+        </p:blipFill>
+        <p:spPr>
+          <a:xfrm>
+            <a:off x="274320" y="91440"/>
+            <a:ext cx="2342917" cy="548640"/>
+          </a:xfrm>
+          <a:prstGeom prst="rect">
+            <a:avLst/>
+          </a:prstGeom>
+        </p:spPr>
+      </p:pic>
+      <p:pic>
+        <p:nvPicPr>
+          <p:cNvPr id="3" name="Picture 2" descr="VALUE.png"/>
+          <p:cNvPicPr>
+            <a:picLocks noChangeAspect="1"/>
+          </p:cNvPicPr>
+          <p:nvPr/>
+        </p:nvPicPr>
+        <p:blipFill>
+          <a:blip r:embed="rId3"/>
+          <a:stretch>
+            <a:fillRect/>
+          </a:stretch>
+        </p:blipFill>
+        <p:spPr>
+          <a:xfrm>
+            <a:off x="9418320" y="6126480"/>
+            <a:ext cx="1405150" cy="548640"/>
+          </a:xfrm>
+          <a:prstGeom prst="rect">
+            <a:avLst/>
+          </a:prstGeom>
+        </p:spPr>
+      </p:pic>
+      <p:sp>
+        <p:nvSpPr>
+          <p:cNvPr id="4" name="TextBox 3"/>
+          <p:cNvSpPr txBox="1"/>
+          <p:nvPr/>
+        </p:nvSpPr>
+        <p:spPr>
+          <a:xfrm>
+            <a:off x="457200" y="6400800"/>
+            <a:ext cx="8229600" cy="274320"/>
+          </a:xfrm>
+          <a:prstGeom prst="rect">
+            <a:avLst/>
+          </a:prstGeom>
+          <a:noFill/>
+        </p:spPr>
+        <p:txBody>
+          <a:bodyPr wrap="none">
+            <a:spAutoFit/>
+          </a:bodyPr>
+          <a:lstStyle/>
+          <a:p>
+            <a:pPr>
+              <a:defRPr sz="1000" b="1">
+                <a:solidFill>
+                  <a:srgbClr val="000000"/>
+                </a:solidFill>
+                <a:latin typeface="Montserrat"/>
+              </a:defRPr>
+            </a:pPr>
+            <a:r>
+              <a:t>DueXpert – AI Crypto Fund Due Diligence Suite | Key Findings Summary</a:t>
+            </a:r>
+          </a:p>
+        </p:txBody>
+      </p:sp>
+      <p:sp>
+        <p:nvSpPr>
+          <p:cNvPr id="5" name="TextBox 4"/>
+          <p:cNvSpPr txBox="1"/>
+          <p:nvPr/>
+        </p:nvSpPr>
+        <p:spPr>
+          <a:xfrm>
+            <a:off x="731520" y="457200"/>
+            <a:ext cx="7315200" cy="457200"/>
+          </a:xfrm>
+          <a:prstGeom prst="rect">
+            <a:avLst/>
+          </a:prstGeom>
+          <a:noFill/>
+        </p:spPr>
+        <p:txBody>
+          <a:bodyPr wrap="none">
+            <a:spAutoFit/>
+          </a:bodyPr>
+          <a:lstStyle/>
+          <a:p>
+            <a:pPr>
+              <a:defRPr sz="2400" b="1">
+                <a:solidFill>
+                  <a:srgbClr val="365FC7"/>
+                </a:solidFill>
+                <a:latin typeface="Montserrat"/>
+              </a:defRPr>
+            </a:pPr>
+            <a:r>
+              <a:t>2. Key Summary and Findings</a:t>
+            </a:r>
+          </a:p>
+        </p:txBody>
+      </p:sp>
+      <p:sp>
+        <p:nvSpPr>
+          <p:cNvPr id="6" name="TextBox 5"/>
+          <p:cNvSpPr txBox="1"/>
+          <p:nvPr/>
+        </p:nvSpPr>
+        <p:spPr>
+          <a:xfrm>
+            <a:off x="731520" y="1097280"/>
+            <a:ext cx="9144000" cy="5029200"/>
+          </a:xfrm>
+          <a:prstGeom prst="rect">
+            <a:avLst/>
+          </a:prstGeom>
+          <a:noFill/>
+        </p:spPr>
+        <p:txBody>
+          <a:bodyPr wrap="square">
+            <a:spAutoFit/>
+          </a:bodyPr>
+          <a:lstStyle/>
+          <a:p>
+            <a:pPr>
+              <a:defRPr sz="1200">
+                <a:solidFill>
+                  <a:srgbClr val="000000"/>
+                </a:solidFill>
+                <a:latin typeface="Montserrat"/>
+              </a:defRPr>
+            </a:pPr>
+            <a:r>
+              <a:t>AML / KYC: The provided text does not mention specific anti-money laundering (aml) policies and procedures.</a:t>
+            </a:r>
+          </a:p>
+          <a:p>
+            <a:pPr>
+              <a:defRPr sz="1200">
+                <a:solidFill>
+                  <a:srgbClr val="000000"/>
+                </a:solidFill>
+                <a:latin typeface="Montserrat"/>
+              </a:defRPr>
+            </a:pPr>
+            <a:r>
+              <a:t>Community &amp; UX: There is no mention of a codebase being open-source or proprietary in the provided text.; The document does not provide an in-depth evaluation of the user-friendliness of the cryptobazar fund's platform.; Unfortunately, there isn't much information about the community around the cryptobazar fund project in the provided text....</a:t>
+            </a:r>
+          </a:p>
+          <a:p>
+            <a:pPr>
+              <a:defRPr sz="1200">
+                <a:solidFill>
+                  <a:srgbClr val="000000"/>
+                </a:solidFill>
+                <a:latin typeface="Montserrat"/>
+              </a:defRPr>
+            </a:pPr>
+            <a:r>
+              <a:t>Custody &amp; Asset Security: The document doesn't explicitly mention how digital assets are stored and secured.; Unfortunately, i do not see a mention of multi-signature wallets in the provided text.; Unfortunately, i do not see any specific information on how the cryptobazar fund verifies asset ownership....</a:t>
+            </a:r>
+          </a:p>
+          <a:p>
+            <a:pPr>
+              <a:defRPr sz="1200">
+                <a:solidFill>
+                  <a:srgbClr val="000000"/>
+                </a:solidFill>
+                <a:latin typeface="Montserrat"/>
+              </a:defRPr>
+            </a:pPr>
+            <a:r>
+              <a:t>Cybersecurity &amp; Data Privacy: Unfortunately, the text does not mention a specific blockchain technology being used by the cryptobazar fund.; Unfortunately, i don't see any specific information regarding cybersecurity measures mentioned in the provided text.; Unfortunately, i couldn't find any information in the provided text that directly answers your question about whether two-factor authentication and end-to-end encryption are used.</a:t>
+            </a:r>
+          </a:p>
+          <a:p>
+            <a:pPr>
+              <a:defRPr sz="1200">
+                <a:solidFill>
+                  <a:srgbClr val="000000"/>
+                </a:solidFill>
+                <a:latin typeface="Montserrat"/>
+              </a:defRPr>
+            </a:pPr>
+          </a:p>
+          <a:p>
+            <a:pPr>
+              <a:defRPr sz="1200">
+                <a:solidFill>
+                  <a:srgbClr val="000000"/>
+                </a:solidFill>
+                <a:latin typeface="Montserrat"/>
+              </a:defRPr>
+            </a:pPr>
+            <a:r>
+              <a:t>however, the provided text is a comprehensive document outlining the terms and conditions of the cryptobazar fund....</a:t>
+            </a:r>
+          </a:p>
+          <a:p>
+            <a:pPr>
+              <a:defRPr sz="1200">
+                <a:solidFill>
+                  <a:srgbClr val="000000"/>
+                </a:solidFill>
+                <a:latin typeface="Montserrat"/>
+              </a:defRPr>
+            </a:pPr>
+            <a:r>
+              <a:t>ESG &amp; Sustainability: Based on the provided document, it appears that the revenue diversification is not explicitly discussed.; There is no mention of initiatives to reduce energy consumption in the provided text.; There is no mention of sustainability practices or policies in the provided text....</a:t>
+            </a:r>
+          </a:p>
+          <a:p>
+            <a:pPr>
+              <a:defRPr sz="1200">
+                <a:solidFill>
+                  <a:srgbClr val="000000"/>
+                </a:solidFill>
+                <a:latin typeface="Montserrat"/>
+              </a:defRPr>
+            </a:pPr>
+            <a:r>
+              <a:t>Financial Health: Based on the provided text, there is no specific mention of "disputes" that could lead to potential financial exposures.; The answer is not explicitly mentioned in the provided text.; The document provided does not contain comprehensive financial information about the company's financial health....</a:t>
+            </a:r>
+          </a:p>
+          <a:p>
+            <a:pPr>
+              <a:defRPr sz="1200">
+                <a:solidFill>
+                  <a:srgbClr val="000000"/>
+                </a:solidFill>
+                <a:latin typeface="Montserrat"/>
+              </a:defRPr>
+            </a:pPr>
+            <a:r>
+              <a:t>Governance: After analyzing the provided text, i did not find any explicit mentions of potential conflicts of interest among stakeholders.; Yes, according to the text, there is information about the following people involved in the cryptobazar fund:</a:t>
+            </a:r>
+          </a:p>
+          <a:p>
+            <a:pPr>
+              <a:defRPr sz="1200">
+                <a:solidFill>
+                  <a:srgbClr val="000000"/>
+                </a:solidFill>
+                <a:latin typeface="Montserrat"/>
+              </a:defRPr>
+            </a:pPr>
+          </a:p>
+          <a:p>
+            <a:pPr>
+              <a:defRPr sz="1200">
+                <a:solidFill>
+                  <a:srgbClr val="000000"/>
+                </a:solidFill>
+                <a:latin typeface="Montserrat"/>
+              </a:defRPr>
+            </a:pPr>
+            <a:r>
+              <a:t>* managing partners: they are responsible for carrying out deals and transactions with assets, and making decisions on behalf of the co-investors.</a:t>
+            </a:r>
+          </a:p>
+          <a:p>
+            <a:pPr>
+              <a:defRPr sz="1200">
+                <a:solidFill>
+                  <a:srgbClr val="000000"/>
+                </a:solidFill>
+                <a:latin typeface="Montserrat"/>
+              </a:defRPr>
+            </a:pPr>
+            <a:r>
+              <a:t>* co-investors (also referred to as investors): these are individuals who have invested in the fund and share in its risks and potential returns.</a:t>
+            </a:r>
+          </a:p>
+          <a:p>
+            <a:pPr>
+              <a:defRPr sz="1200">
+                <a:solidFill>
+                  <a:srgbClr val="000000"/>
+                </a:solidFill>
+                <a:latin typeface="Montserrat"/>
+              </a:defRPr>
+            </a:pPr>
+          </a:p>
+          <a:p>
+            <a:pPr>
+              <a:defRPr sz="1200">
+                <a:solidFill>
+                  <a:srgbClr val="000000"/>
+                </a:solidFill>
+                <a:latin typeface="Montserrat"/>
+              </a:defRPr>
+            </a:pPr>
+            <a:r>
+              <a:t>however, there is no mention of "developers" being specifically engaged.; Based on the provided document, it appears that the governance structure of the cryptobazar fund is as follows:</a:t>
+            </a:r>
+          </a:p>
+          <a:p>
+            <a:pPr>
+              <a:defRPr sz="1200">
+                <a:solidFill>
+                  <a:srgbClr val="000000"/>
+                </a:solidFill>
+                <a:latin typeface="Montserrat"/>
+              </a:defRPr>
+            </a:pPr>
+          </a:p>
+          <a:p>
+            <a:pPr>
+              <a:defRPr sz="1200">
+                <a:solidFill>
+                  <a:srgbClr val="000000"/>
+                </a:solidFill>
+                <a:latin typeface="Montserrat"/>
+              </a:defRPr>
+            </a:pPr>
+            <a:r>
+              <a:t>* **managing partners**: they are responsible for carrying out deals and transactions with assets without the instruction or consent of co-investors....</a:t>
+            </a:r>
+          </a:p>
+          <a:p>
+            <a:pPr>
+              <a:defRPr sz="1200">
+                <a:solidFill>
+                  <a:srgbClr val="000000"/>
+                </a:solidFill>
+                <a:latin typeface="Montserrat"/>
+              </a:defRPr>
+            </a:pPr>
+            <a:r>
+              <a:t>IP &amp; Contracts: Based on the provided text, there is no information about the company owning any intellectual property (ip) assets.; After reviewing the provided text, i did not find any specific information about intellectual property (ip) infringement issues.; There is no mention of ip (intellectual property) rights in the provided text....</a:t>
+            </a:r>
+          </a:p>
+          <a:p>
+            <a:pPr>
+              <a:defRPr sz="1200">
+                <a:solidFill>
+                  <a:srgbClr val="000000"/>
+                </a:solidFill>
+                <a:latin typeface="Montserrat"/>
+              </a:defRPr>
+            </a:pPr>
+            <a:r>
+              <a:t>Legal &amp; Regulatory: The provided document, the cryptobazar fund is a venture fund that invests in blockchain technology and cryptocurrencies.; After reviewing the provided text, i did not find any information about significant changes in the legal structure of cryptobazar fund over time.; There is no explicit mention of whether all necessary licenses and permits are in place....</a:t>
+            </a:r>
+          </a:p>
+          <a:p>
+            <a:pPr>
+              <a:defRPr sz="1200">
+                <a:solidFill>
+                  <a:srgbClr val="000000"/>
+                </a:solidFill>
+                <a:latin typeface="Montserrat"/>
+              </a:defRPr>
+            </a:pPr>
+            <a:r>
+              <a:t>Risk Management: There is no mention of "conflicts" in the provided text.; Yes, according to the risk warning notice, there is a mention of "actions of state bodies or trading platforms that regulate russian and international securities market" as one of the risks that co-investors assume.; A thorough review!</a:t>
+            </a:r>
+          </a:p>
+          <a:p>
+            <a:pPr>
+              <a:defRPr sz="1200">
+                <a:solidFill>
+                  <a:srgbClr val="000000"/>
+                </a:solidFill>
+                <a:latin typeface="Montserrat"/>
+              </a:defRPr>
+            </a:pPr>
+          </a:p>
+          <a:p>
+            <a:pPr>
+              <a:defRPr sz="1200">
+                <a:solidFill>
+                  <a:srgbClr val="000000"/>
+                </a:solidFill>
+                <a:latin typeface="Montserrat"/>
+              </a:defRPr>
+            </a:pPr>
+            <a:r>
+              <a:t>based on the provided document, here are some potential concerns and questions:</a:t>
+            </a:r>
+          </a:p>
+          <a:p>
+            <a:pPr>
+              <a:defRPr sz="1200">
+                <a:solidFill>
+                  <a:srgbClr val="000000"/>
+                </a:solidFill>
+                <a:latin typeface="Montserrat"/>
+              </a:defRPr>
+            </a:pPr>
+          </a:p>
+          <a:p>
+            <a:pPr>
+              <a:defRPr sz="1200">
+                <a:solidFill>
+                  <a:srgbClr val="000000"/>
+                </a:solidFill>
+                <a:latin typeface="Montserrat"/>
+              </a:defRPr>
+            </a:pPr>
+            <a:r>
+              <a:t>1....</a:t>
+            </a:r>
+          </a:p>
+        </p:txBody>
+      </p:sp>
+      <p:sp>
+        <p:nvSpPr>
+          <p:cNvPr id="7" name="TextBox 6"/>
+          <p:cNvSpPr txBox="1"/>
+          <p:nvPr/>
+        </p:nvSpPr>
+        <p:spPr>
+          <a:xfrm>
+            <a:off x="8229600" y="6400800"/>
+            <a:ext cx="914400" cy="274320"/>
+          </a:xfrm>
+          <a:prstGeom prst="rect">
+            <a:avLst/>
+          </a:prstGeom>
+          <a:noFill/>
+        </p:spPr>
+        <p:txBody>
+          <a:bodyPr wrap="none">
+            <a:spAutoFit/>
+          </a:bodyPr>
+          <a:lstStyle/>
+          <a:p>
+            <a:pPr>
+              <a:defRPr sz="1000" b="1">
+                <a:solidFill>
+                  <a:srgbClr val="000000"/>
+                </a:solidFill>
+                <a:latin typeface="Montserrat"/>
+              </a:defRPr>
+            </a:pPr>
+            <a:r>
+              <a:t>Page 2</a:t>
+            </a:r>
+          </a:p>
+        </p:txBody>
+      </p:sp>
+    </p:spTree>
+  </p:cSld>
+  <p:clrMapOvr>
+    <a:masterClrMapping/>
+  </p:clrMapOvr>
+</p:sld>
+</file>
+
+<file path=ppt/slides/slide4.xml><?xml version="1.0" encoding="utf-8"?>
+<p:sld xmlns:a="http://schemas.openxmlformats.org/drawingml/2006/main" xmlns:p="http://schemas.openxmlformats.org/presentationml/2006/main" xmlns:r="http://schemas.openxmlformats.org/officeDocument/2006/relationships">
+  <p:cSld>
+    <p:bg>
+      <p:bgPr>
+        <a:gradFill rotWithShape="1">
+          <a:gsLst>
+            <a:gs pos="0">
+              <a:srgbClr val="FFFFFF"/>
+            </a:gs>
+            <a:gs pos="100000">
+              <a:srgbClr val="FFFFFF"/>
+            </a:gs>
+          </a:gsLst>
+          <a:lin scaled="0"/>
+        </a:gradFill>
+        <a:effectLst/>
+      </p:bgPr>
+    </p:bg>
+    <p:spTree>
+      <p:nvGrpSpPr>
+        <p:cNvPr id="1" name=""/>
+        <p:cNvGrpSpPr/>
+        <p:nvPr/>
+      </p:nvGrpSpPr>
+      <p:grpSpPr/>
+      <p:pic>
+        <p:nvPicPr>
+          <p:cNvPr id="2" name="Picture 1" descr="dueexpert.png"/>
+          <p:cNvPicPr>
+            <a:picLocks noChangeAspect="1"/>
+          </p:cNvPicPr>
+          <p:nvPr/>
+        </p:nvPicPr>
+        <p:blipFill>
+          <a:blip r:embed="rId2"/>
+          <a:stretch>
+            <a:fillRect/>
+          </a:stretch>
+        </p:blipFill>
+        <p:spPr>
+          <a:xfrm>
+            <a:off x="274320" y="91440"/>
+            <a:ext cx="2342917" cy="548640"/>
+          </a:xfrm>
+          <a:prstGeom prst="rect">
+            <a:avLst/>
+          </a:prstGeom>
+        </p:spPr>
+      </p:pic>
+      <p:pic>
+        <p:nvPicPr>
+          <p:cNvPr id="3" name="Picture 2" descr="VALUE.png"/>
+          <p:cNvPicPr>
+            <a:picLocks noChangeAspect="1"/>
+          </p:cNvPicPr>
+          <p:nvPr/>
+        </p:nvPicPr>
+        <p:blipFill>
+          <a:blip r:embed="rId3"/>
+          <a:stretch>
+            <a:fillRect/>
+          </a:stretch>
+        </p:blipFill>
+        <p:spPr>
+          <a:xfrm>
+            <a:off x="9418320" y="6126480"/>
+            <a:ext cx="1405150" cy="548640"/>
+          </a:xfrm>
+          <a:prstGeom prst="rect">
+            <a:avLst/>
+          </a:prstGeom>
+        </p:spPr>
+      </p:pic>
+      <p:sp>
+        <p:nvSpPr>
+          <p:cNvPr id="4" name="TextBox 3"/>
+          <p:cNvSpPr txBox="1"/>
+          <p:nvPr/>
+        </p:nvSpPr>
+        <p:spPr>
+          <a:xfrm>
+            <a:off x="457200" y="6400800"/>
+            <a:ext cx="8229600" cy="274320"/>
+          </a:xfrm>
+          <a:prstGeom prst="rect">
+            <a:avLst/>
+          </a:prstGeom>
+          <a:noFill/>
+        </p:spPr>
+        <p:txBody>
+          <a:bodyPr wrap="none">
+            <a:spAutoFit/>
+          </a:bodyPr>
+          <a:lstStyle/>
+          <a:p>
+            <a:pPr>
+              <a:defRPr sz="1000" b="1">
+                <a:solidFill>
+                  <a:srgbClr val="000000"/>
+                </a:solidFill>
+                <a:latin typeface="Montserrat"/>
+              </a:defRPr>
+            </a:pPr>
+            <a:r>
+              <a:t>DueXpert – AI Crypto Fund Due Diligence Suite | Issues Faced</a:t>
+            </a:r>
+          </a:p>
+        </p:txBody>
+      </p:sp>
+      <p:sp>
+        <p:nvSpPr>
+          <p:cNvPr id="5" name="TextBox 4"/>
+          <p:cNvSpPr txBox="1"/>
+          <p:nvPr/>
+        </p:nvSpPr>
+        <p:spPr>
+          <a:xfrm>
+            <a:off x="731520" y="457200"/>
+            <a:ext cx="7315200" cy="457200"/>
+          </a:xfrm>
+          <a:prstGeom prst="rect">
+            <a:avLst/>
+          </a:prstGeom>
+          <a:noFill/>
+        </p:spPr>
+        <p:txBody>
+          <a:bodyPr wrap="none">
+            <a:spAutoFit/>
+          </a:bodyPr>
+          <a:lstStyle/>
+          <a:p>
+            <a:pPr>
+              <a:defRPr sz="2400" b="1">
+                <a:solidFill>
+                  <a:srgbClr val="365FC7"/>
+                </a:solidFill>
+                <a:latin typeface="Montserrat"/>
+              </a:defRPr>
+            </a:pPr>
+            <a:r>
+              <a:t>3. Issues Faced</a:t>
+            </a:r>
+          </a:p>
+        </p:txBody>
+      </p:sp>
+      <p:sp>
+        <p:nvSpPr>
+          <p:cNvPr id="6" name="TextBox 5"/>
+          <p:cNvSpPr txBox="1"/>
+          <p:nvPr/>
+        </p:nvSpPr>
+        <p:spPr>
+          <a:xfrm>
+            <a:off x="731520" y="1097280"/>
+            <a:ext cx="9144000" cy="5029200"/>
+          </a:xfrm>
+          <a:prstGeom prst="rect">
+            <a:avLst/>
+          </a:prstGeom>
+          <a:noFill/>
+        </p:spPr>
+        <p:txBody>
+          <a:bodyPr wrap="square">
+            <a:spAutoFit/>
+          </a:bodyPr>
+          <a:lstStyle/>
+          <a:p>
+            <a:pPr>
+              <a:defRPr sz="1200">
+                <a:solidFill>
+                  <a:srgbClr val="000000"/>
+                </a:solidFill>
+                <a:latin typeface="Montserrat"/>
+              </a:defRPr>
+            </a:pPr>
+            <a:r>
+              <a:t>ESG &amp; Sustainability: Are there any initiatives to reduce this footprint?</a:t>
+            </a:r>
+          </a:p>
+          <a:p>
+            <a:pPr>
+              <a:defRPr sz="1200">
+                <a:solidFill>
+                  <a:srgbClr val="000000"/>
+                </a:solidFill>
+                <a:latin typeface="Montserrat"/>
+              </a:defRPr>
+            </a:pPr>
+            <a:r>
+              <a:t>ESG &amp; Sustainability: Negative response for 'Are there any initiatives to reduce this footprint...'</a:t>
+            </a:r>
+          </a:p>
+          <a:p>
+            <a:pPr>
+              <a:defRPr sz="1200">
+                <a:solidFill>
+                  <a:srgbClr val="000000"/>
+                </a:solidFill>
+                <a:latin typeface="Montserrat"/>
+              </a:defRPr>
+            </a:pPr>
+            <a:r>
+              <a:t>Risk Management: - What training programs are in place for employees handling sensitive operations?</a:t>
+            </a:r>
+          </a:p>
+          <a:p>
+            <a:pPr>
+              <a:defRPr sz="1200">
+                <a:solidFill>
+                  <a:srgbClr val="000000"/>
+                </a:solidFill>
+                <a:latin typeface="Montserrat"/>
+              </a:defRPr>
+            </a:pPr>
+            <a:r>
+              <a:t>Risk Management: Negative response for '- What training programs are in place for employee...'</a:t>
+            </a:r>
+          </a:p>
+          <a:p>
+            <a:pPr>
+              <a:defRPr sz="1200">
+                <a:solidFill>
+                  <a:srgbClr val="000000"/>
+                </a:solidFill>
+                <a:latin typeface="Montserrat"/>
+              </a:defRPr>
+            </a:pPr>
+            <a:r>
+              <a:t>Technology &amp; Infrastructure: Are there plans for upgrading infrastructure to meet growing demand?</a:t>
+            </a:r>
+          </a:p>
+          <a:p>
+            <a:pPr>
+              <a:defRPr sz="1200">
+                <a:solidFill>
+                  <a:srgbClr val="000000"/>
+                </a:solidFill>
+                <a:latin typeface="Montserrat"/>
+              </a:defRPr>
+            </a:pPr>
+            <a:r>
+              <a:t>Technology &amp; Infrastructure: Negative response for 'Are there plans for upgrading infrastructure to me...'</a:t>
+            </a:r>
+          </a:p>
+        </p:txBody>
+      </p:sp>
+      <p:sp>
+        <p:nvSpPr>
+          <p:cNvPr id="7" name="TextBox 6"/>
+          <p:cNvSpPr txBox="1"/>
+          <p:nvPr/>
+        </p:nvSpPr>
+        <p:spPr>
+          <a:xfrm>
+            <a:off x="8229600" y="6400800"/>
+            <a:ext cx="914400" cy="274320"/>
+          </a:xfrm>
+          <a:prstGeom prst="rect">
+            <a:avLst/>
+          </a:prstGeom>
+          <a:noFill/>
+        </p:spPr>
+        <p:txBody>
+          <a:bodyPr wrap="none">
+            <a:spAutoFit/>
+          </a:bodyPr>
+          <a:lstStyle/>
+          <a:p>
+            <a:pPr>
+              <a:defRPr sz="1000" b="1">
+                <a:solidFill>
+                  <a:srgbClr val="000000"/>
+                </a:solidFill>
+                <a:latin typeface="Montserrat"/>
+              </a:defRPr>
+            </a:pPr>
+            <a:r>
+              <a:t>Page 3</a:t>
+            </a:r>
+          </a:p>
+        </p:txBody>
+      </p:sp>
+    </p:spTree>
+  </p:cSld>
+  <p:clrMapOvr>
+    <a:masterClrMapping/>
+  </p:clrMapOvr>
+</p:sld>
+</file>
+
+<file path=ppt/slides/slide5.xml><?xml version="1.0" encoding="utf-8"?>
+<p:sld xmlns:a="http://schemas.openxmlformats.org/drawingml/2006/main" xmlns:p="http://schemas.openxmlformats.org/presentationml/2006/main" xmlns:r="http://schemas.openxmlformats.org/officeDocument/2006/relationships">
+  <p:cSld>
+    <p:bg>
+      <p:bgPr>
+        <a:gradFill rotWithShape="1">
+          <a:gsLst>
+            <a:gs pos="0">
+              <a:srgbClr val="FFFFFF"/>
+            </a:gs>
+            <a:gs pos="100000">
+              <a:srgbClr val="FFFFFF"/>
+            </a:gs>
+          </a:gsLst>
+          <a:lin scaled="0"/>
+        </a:gradFill>
+        <a:effectLst/>
+      </p:bgPr>
+    </p:bg>
+    <p:spTree>
+      <p:nvGrpSpPr>
+        <p:cNvPr id="1" name=""/>
+        <p:cNvGrpSpPr/>
+        <p:nvPr/>
+      </p:nvGrpSpPr>
+      <p:grpSpPr/>
+      <p:pic>
+        <p:nvPicPr>
+          <p:cNvPr id="2" name="Picture 1" descr="dueexpert.png"/>
+          <p:cNvPicPr>
+            <a:picLocks noChangeAspect="1"/>
+          </p:cNvPicPr>
+          <p:nvPr/>
+        </p:nvPicPr>
+        <p:blipFill>
+          <a:blip r:embed="rId2"/>
+          <a:stretch>
+            <a:fillRect/>
+          </a:stretch>
+        </p:blipFill>
+        <p:spPr>
+          <a:xfrm>
+            <a:off x="274320" y="91440"/>
+            <a:ext cx="2342917" cy="548640"/>
+          </a:xfrm>
+          <a:prstGeom prst="rect">
+            <a:avLst/>
+          </a:prstGeom>
+        </p:spPr>
+      </p:pic>
+      <p:pic>
+        <p:nvPicPr>
+          <p:cNvPr id="3" name="Picture 2" descr="VALUE.png"/>
+          <p:cNvPicPr>
+            <a:picLocks noChangeAspect="1"/>
+          </p:cNvPicPr>
+          <p:nvPr/>
+        </p:nvPicPr>
+        <p:blipFill>
+          <a:blip r:embed="rId3"/>
+          <a:stretch>
+            <a:fillRect/>
+          </a:stretch>
+        </p:blipFill>
+        <p:spPr>
+          <a:xfrm>
+            <a:off x="9418320" y="6126480"/>
+            <a:ext cx="1405150" cy="548640"/>
+          </a:xfrm>
+          <a:prstGeom prst="rect">
+            <a:avLst/>
+          </a:prstGeom>
+        </p:spPr>
+      </p:pic>
+      <p:sp>
+        <p:nvSpPr>
+          <p:cNvPr id="4" name="TextBox 3"/>
+          <p:cNvSpPr txBox="1"/>
+          <p:nvPr/>
+        </p:nvSpPr>
+        <p:spPr>
+          <a:xfrm>
+            <a:off x="457200" y="6400800"/>
+            <a:ext cx="8229600" cy="274320"/>
+          </a:xfrm>
+          <a:prstGeom prst="rect">
+            <a:avLst/>
+          </a:prstGeom>
+          <a:noFill/>
+        </p:spPr>
+        <p:txBody>
+          <a:bodyPr wrap="none">
+            <a:spAutoFit/>
+          </a:bodyPr>
+          <a:lstStyle/>
+          <a:p>
+            <a:pPr>
+              <a:defRPr sz="1000" b="1">
+                <a:solidFill>
+                  <a:srgbClr val="000000"/>
+                </a:solidFill>
+                <a:latin typeface="Montserrat"/>
+              </a:defRPr>
+            </a:pPr>
+            <a:r>
+              <a:t>DueXpert – AI Crypto Fund Due Diligence Suite | Risk Scoring</a:t>
+            </a:r>
+          </a:p>
+        </p:txBody>
+      </p:sp>
+      <p:sp>
+        <p:nvSpPr>
+          <p:cNvPr id="5" name="TextBox 4"/>
+          <p:cNvSpPr txBox="1"/>
+          <p:nvPr/>
+        </p:nvSpPr>
+        <p:spPr>
+          <a:xfrm>
+            <a:off x="731520" y="457200"/>
+            <a:ext cx="7315200" cy="457200"/>
+          </a:xfrm>
+          <a:prstGeom prst="rect">
+            <a:avLst/>
+          </a:prstGeom>
+          <a:noFill/>
+        </p:spPr>
+        <p:txBody>
+          <a:bodyPr wrap="none">
+            <a:spAutoFit/>
+          </a:bodyPr>
+          <a:lstStyle/>
+          <a:p>
+            <a:pPr>
+              <a:defRPr sz="2400" b="1">
+                <a:solidFill>
+                  <a:srgbClr val="365FC7"/>
+                </a:solidFill>
+                <a:latin typeface="Montserrat"/>
+              </a:defRPr>
+            </a:pPr>
+            <a:r>
+              <a:t>4. Risk Scoring</a:t>
+            </a:r>
+          </a:p>
+        </p:txBody>
+      </p:sp>
+      <p:sp>
+        <p:nvSpPr>
+          <p:cNvPr id="6" name="TextBox 5"/>
+          <p:cNvSpPr txBox="1"/>
+          <p:nvPr/>
+        </p:nvSpPr>
+        <p:spPr>
+          <a:xfrm>
+            <a:off x="731520" y="1097280"/>
+            <a:ext cx="9144000" cy="5029200"/>
+          </a:xfrm>
+          <a:prstGeom prst="rect">
+            <a:avLst/>
+          </a:prstGeom>
+          <a:noFill/>
+        </p:spPr>
+        <p:txBody>
+          <a:bodyPr wrap="square">
+            <a:spAutoFit/>
+          </a:bodyPr>
+          <a:lstStyle/>
+          <a:p>
+            <a:pPr>
+              <a:defRPr sz="1200">
+                <a:solidFill>
+                  <a:srgbClr val="000000"/>
+                </a:solidFill>
+                <a:latin typeface="Montserrat"/>
+              </a:defRPr>
+            </a:pPr>
+            <a:r>
+              <a:t>Risk Scores by Category:</a:t>
+            </a:r>
+          </a:p>
+          <a:p>
+            <a:pPr>
+              <a:defRPr sz="1200">
+                <a:solidFill>
+                  <a:srgbClr val="000000"/>
+                </a:solidFill>
+                <a:latin typeface="Montserrat"/>
+              </a:defRPr>
+            </a:pPr>
+            <a:r>
+              <a:t>- AML / KYC: 100.0</a:t>
+            </a:r>
+          </a:p>
+          <a:p>
+            <a:pPr>
+              <a:defRPr sz="1200">
+                <a:solidFill>
+                  <a:srgbClr val="000000"/>
+                </a:solidFill>
+                <a:latin typeface="Montserrat"/>
+              </a:defRPr>
+            </a:pPr>
+            <a:r>
+              <a:t>- Community &amp; UX: 25.2</a:t>
+            </a:r>
+          </a:p>
+          <a:p>
+            <a:pPr>
+              <a:defRPr sz="1200">
+                <a:solidFill>
+                  <a:srgbClr val="000000"/>
+                </a:solidFill>
+                <a:latin typeface="Montserrat"/>
+              </a:defRPr>
+            </a:pPr>
+            <a:r>
+              <a:t>- Custody &amp; Asset Security: 50.0</a:t>
+            </a:r>
+          </a:p>
+          <a:p>
+            <a:pPr>
+              <a:defRPr sz="1200">
+                <a:solidFill>
+                  <a:srgbClr val="000000"/>
+                </a:solidFill>
+                <a:latin typeface="Montserrat"/>
+              </a:defRPr>
+            </a:pPr>
+            <a:r>
+              <a:t>- Cybersecurity &amp; Data Privacy: 30.0</a:t>
+            </a:r>
+          </a:p>
+          <a:p>
+            <a:pPr>
+              <a:defRPr sz="1200">
+                <a:solidFill>
+                  <a:srgbClr val="000000"/>
+                </a:solidFill>
+                <a:latin typeface="Montserrat"/>
+              </a:defRPr>
+            </a:pPr>
+            <a:r>
+              <a:t>- ESG &amp; Sustainability: 8.1</a:t>
+            </a:r>
+          </a:p>
+          <a:p>
+            <a:pPr>
+              <a:defRPr sz="1200">
+                <a:solidFill>
+                  <a:srgbClr val="000000"/>
+                </a:solidFill>
+                <a:latin typeface="Montserrat"/>
+              </a:defRPr>
+            </a:pPr>
+            <a:r>
+              <a:t>- Financial Health: 24.0</a:t>
+            </a:r>
+          </a:p>
+          <a:p>
+            <a:pPr>
+              <a:defRPr sz="1200">
+                <a:solidFill>
+                  <a:srgbClr val="000000"/>
+                </a:solidFill>
+                <a:latin typeface="Montserrat"/>
+              </a:defRPr>
+            </a:pPr>
+            <a:r>
+              <a:t>- Future Outlook: 9.6</a:t>
+            </a:r>
+          </a:p>
+          <a:p>
+            <a:pPr>
+              <a:defRPr sz="1200">
+                <a:solidFill>
+                  <a:srgbClr val="000000"/>
+                </a:solidFill>
+                <a:latin typeface="Montserrat"/>
+              </a:defRPr>
+            </a:pPr>
+            <a:r>
+              <a:t>- Governance: 43.2</a:t>
+            </a:r>
+          </a:p>
+          <a:p>
+            <a:pPr>
+              <a:defRPr sz="1200">
+                <a:solidFill>
+                  <a:srgbClr val="000000"/>
+                </a:solidFill>
+                <a:latin typeface="Montserrat"/>
+              </a:defRPr>
+            </a:pPr>
+            <a:r>
+              <a:t>- IP &amp; Contracts: 14.4</a:t>
+            </a:r>
+          </a:p>
+          <a:p>
+            <a:pPr>
+              <a:defRPr sz="1200">
+                <a:solidFill>
+                  <a:srgbClr val="000000"/>
+                </a:solidFill>
+                <a:latin typeface="Montserrat"/>
+              </a:defRPr>
+            </a:pPr>
+            <a:r>
+              <a:t>- Legal &amp; Regulatory: 62.5</a:t>
+            </a:r>
+          </a:p>
+          <a:p>
+            <a:pPr>
+              <a:defRPr sz="1200">
+                <a:solidFill>
+                  <a:srgbClr val="000000"/>
+                </a:solidFill>
+                <a:latin typeface="Montserrat"/>
+              </a:defRPr>
+            </a:pPr>
+            <a:r>
+              <a:t>- Risk Management: 18.2</a:t>
+            </a:r>
+          </a:p>
+          <a:p>
+            <a:pPr>
+              <a:defRPr sz="1200">
+                <a:solidFill>
+                  <a:srgbClr val="000000"/>
+                </a:solidFill>
+                <a:latin typeface="Montserrat"/>
+              </a:defRPr>
+            </a:pPr>
+            <a:r>
+              <a:t>- Strategy &amp; Competitive Positioning: 10.0</a:t>
+            </a:r>
+          </a:p>
+          <a:p>
+            <a:pPr>
+              <a:defRPr sz="1200">
+                <a:solidFill>
+                  <a:srgbClr val="000000"/>
+                </a:solidFill>
+                <a:latin typeface="Montserrat"/>
+              </a:defRPr>
+            </a:pPr>
+            <a:r>
+              <a:t>- Technology &amp; Infrastructure: 15.2</a:t>
+            </a:r>
+          </a:p>
+          <a:p>
+            <a:pPr>
+              <a:defRPr sz="1200">
+                <a:solidFill>
+                  <a:srgbClr val="000000"/>
+                </a:solidFill>
+                <a:latin typeface="Montserrat"/>
+              </a:defRPr>
+            </a:pPr>
+            <a:r>
+              <a:t>- Tokenomics &amp; Trading Integrity: 22.5</a:t>
+            </a:r>
+          </a:p>
+          <a:p>
+            <a:pPr>
+              <a:defRPr sz="1200">
+                <a:solidFill>
+                  <a:srgbClr val="000000"/>
+                </a:solidFill>
+                <a:latin typeface="Montserrat"/>
+              </a:defRPr>
+            </a:pPr>
+          </a:p>
+          <a:p>
+            <a:pPr>
+              <a:defRPr sz="1200">
+                <a:solidFill>
+                  <a:srgbClr val="000000"/>
+                </a:solidFill>
+                <a:latin typeface="Montserrat"/>
+              </a:defRPr>
+            </a:pPr>
+            <a:r>
+              <a:t>Summary:</a:t>
+            </a:r>
+          </a:p>
+          <a:p>
+            <a:pPr>
+              <a:defRPr sz="1200">
+                <a:solidFill>
+                  <a:srgbClr val="000000"/>
+                </a:solidFill>
+                <a:latin typeface="Montserrat"/>
+              </a:defRPr>
+            </a:pPr>
+            <a:r>
+              <a:t>- Total Topics: 14</a:t>
+            </a:r>
+          </a:p>
+          <a:p>
+            <a:pPr>
+              <a:defRPr sz="1200">
+                <a:solidFill>
+                  <a:srgbClr val="000000"/>
+                </a:solidFill>
+                <a:latin typeface="Montserrat"/>
+              </a:defRPr>
+            </a:pPr>
+            <a:r>
+              <a:t>- High Risk (&gt;=60): 2</a:t>
+            </a:r>
+          </a:p>
+          <a:p>
+            <a:pPr>
+              <a:defRPr sz="1200">
+                <a:solidFill>
+                  <a:srgbClr val="000000"/>
+                </a:solidFill>
+                <a:latin typeface="Montserrat"/>
+              </a:defRPr>
+            </a:pPr>
+            <a:r>
+              <a:t>- Medium Risk (30-60): 3</a:t>
+            </a:r>
+          </a:p>
+          <a:p>
+            <a:pPr>
+              <a:defRPr sz="1200">
+                <a:solidFill>
+                  <a:srgbClr val="000000"/>
+                </a:solidFill>
+                <a:latin typeface="Montserrat"/>
+              </a:defRPr>
+            </a:pPr>
+            <a:r>
+              <a:t>- Low Risk (&lt;30): 9</a:t>
+            </a:r>
+          </a:p>
+          <a:p>
+            <a:pPr>
+              <a:defRPr sz="1200">
+                <a:solidFill>
+                  <a:srgbClr val="000000"/>
+                </a:solidFill>
+                <a:latin typeface="Montserrat"/>
+              </a:defRPr>
+            </a:pPr>
+            <a:r>
+              <a:t>- Avg Risk Score: 30.9</a:t>
+            </a:r>
+          </a:p>
+          <a:p>
+            <a:pPr>
+              <a:defRPr sz="1200">
+                <a:solidFill>
+                  <a:srgbClr val="000000"/>
+                </a:solidFill>
+                <a:latin typeface="Montserrat"/>
+              </a:defRPr>
+            </a:pPr>
+            <a:r>
+              <a:t>- Critical Gaps: AML / KYC, Legal &amp; Regulatory</a:t>
+            </a:r>
+          </a:p>
+        </p:txBody>
+      </p:sp>
+      <p:sp>
+        <p:nvSpPr>
+          <p:cNvPr id="7" name="TextBox 6"/>
+          <p:cNvSpPr txBox="1"/>
+          <p:nvPr/>
+        </p:nvSpPr>
+        <p:spPr>
+          <a:xfrm>
+            <a:off x="8229600" y="6400800"/>
+            <a:ext cx="914400" cy="274320"/>
+          </a:xfrm>
+          <a:prstGeom prst="rect">
+            <a:avLst/>
+          </a:prstGeom>
+          <a:noFill/>
+        </p:spPr>
+        <p:txBody>
+          <a:bodyPr wrap="none">
+            <a:spAutoFit/>
+          </a:bodyPr>
+          <a:lstStyle/>
+          <a:p>
+            <a:pPr>
+              <a:defRPr sz="1000" b="1">
+                <a:solidFill>
+                  <a:srgbClr val="000000"/>
+                </a:solidFill>
+                <a:latin typeface="Montserrat"/>
+              </a:defRPr>
+            </a:pPr>
+            <a:r>
+              <a:t>Page 4</a:t>
+            </a:r>
+          </a:p>
+        </p:txBody>
+      </p:sp>
+    </p:spTree>
+  </p:cSld>
+  <p:clrMapOvr>
+    <a:masterClrMapping/>
+  </p:clrMapOvr>
+</p:sld>
+</file>
+
+<file path=ppt/slides/slide6.xml><?xml version="1.0" encoding="utf-8"?>
+<p:sld xmlns:a="http://schemas.openxmlformats.org/drawingml/2006/main" xmlns:p="http://schemas.openxmlformats.org/presentationml/2006/main" xmlns:r="http://schemas.openxmlformats.org/officeDocument/2006/relationships">
+  <p:cSld>
+    <p:bg>
+      <p:bgPr>
+        <a:gradFill rotWithShape="1">
+          <a:gsLst>
+            <a:gs pos="0">
+              <a:srgbClr val="FFFFFF"/>
+            </a:gs>
+            <a:gs pos="100000">
+              <a:srgbClr val="FFFFFF"/>
+            </a:gs>
+          </a:gsLst>
+          <a:lin scaled="0"/>
+        </a:gradFill>
+        <a:effectLst/>
+      </p:bgPr>
+    </p:bg>
+    <p:spTree>
+      <p:nvGrpSpPr>
+        <p:cNvPr id="1" name=""/>
+        <p:cNvGrpSpPr/>
+        <p:nvPr/>
+      </p:nvGrpSpPr>
+      <p:grpSpPr/>
+      <p:pic>
+        <p:nvPicPr>
+          <p:cNvPr id="2" name="Picture 1" descr="dueexpert.png"/>
+          <p:cNvPicPr>
+            <a:picLocks noChangeAspect="1"/>
+          </p:cNvPicPr>
+          <p:nvPr/>
+        </p:nvPicPr>
+        <p:blipFill>
+          <a:blip r:embed="rId2"/>
+          <a:stretch>
+            <a:fillRect/>
+          </a:stretch>
+        </p:blipFill>
+        <p:spPr>
+          <a:xfrm>
+            <a:off x="274320" y="91440"/>
+            <a:ext cx="2342917" cy="548640"/>
+          </a:xfrm>
+          <a:prstGeom prst="rect">
+            <a:avLst/>
+          </a:prstGeom>
+        </p:spPr>
+      </p:pic>
+      <p:pic>
+        <p:nvPicPr>
+          <p:cNvPr id="3" name="Picture 2" descr="VALUE.png"/>
+          <p:cNvPicPr>
+            <a:picLocks noChangeAspect="1"/>
+          </p:cNvPicPr>
+          <p:nvPr/>
+        </p:nvPicPr>
+        <p:blipFill>
+          <a:blip r:embed="rId3"/>
+          <a:stretch>
+            <a:fillRect/>
+          </a:stretch>
+        </p:blipFill>
+        <p:spPr>
+          <a:xfrm>
+            <a:off x="9418320" y="6126480"/>
+            <a:ext cx="1405150" cy="548640"/>
+          </a:xfrm>
+          <a:prstGeom prst="rect">
+            <a:avLst/>
+          </a:prstGeom>
+        </p:spPr>
+      </p:pic>
+      <p:sp>
+        <p:nvSpPr>
+          <p:cNvPr id="4" name="TextBox 3"/>
+          <p:cNvSpPr txBox="1"/>
+          <p:nvPr/>
+        </p:nvSpPr>
+        <p:spPr>
+          <a:xfrm>
+            <a:off x="457200" y="6400800"/>
+            <a:ext cx="8229600" cy="274320"/>
+          </a:xfrm>
+          <a:prstGeom prst="rect">
+            <a:avLst/>
+          </a:prstGeom>
+          <a:noFill/>
+        </p:spPr>
+        <p:txBody>
+          <a:bodyPr wrap="none">
+            <a:spAutoFit/>
+          </a:bodyPr>
+          <a:lstStyle/>
+          <a:p>
+            <a:pPr>
+              <a:defRPr sz="1000" b="1">
+                <a:solidFill>
+                  <a:srgbClr val="000000"/>
+                </a:solidFill>
+                <a:latin typeface="Montserrat"/>
+              </a:defRPr>
+            </a:pPr>
+            <a:r>
+              <a:t>DueXpert – AI Crypto Fund Due Diligence Suite | Risk Visualization</a:t>
+            </a:r>
+          </a:p>
+        </p:txBody>
+      </p:sp>
+      <p:sp>
+        <p:nvSpPr>
+          <p:cNvPr id="5" name="TextBox 4"/>
+          <p:cNvSpPr txBox="1"/>
+          <p:nvPr/>
+        </p:nvSpPr>
+        <p:spPr>
+          <a:xfrm>
+            <a:off x="731520" y="457200"/>
+            <a:ext cx="7315200" cy="457200"/>
+          </a:xfrm>
+          <a:prstGeom prst="rect">
+            <a:avLst/>
+          </a:prstGeom>
+          <a:noFill/>
+        </p:spPr>
+        <p:txBody>
+          <a:bodyPr wrap="none">
+            <a:spAutoFit/>
+          </a:bodyPr>
+          <a:lstStyle/>
+          <a:p>
+            <a:pPr>
+              <a:defRPr sz="2400" b="1">
+                <a:solidFill>
+                  <a:srgbClr val="365FC7"/>
+                </a:solidFill>
+                <a:latin typeface="Montserrat"/>
+              </a:defRPr>
+            </a:pPr>
+            <a:r>
+              <a:t>5. Risk Visualization</a:t>
+            </a:r>
+          </a:p>
+        </p:txBody>
+      </p:sp>
+      <p:graphicFrame>
+        <p:nvGraphicFramePr>
+          <p:cNvPr id="6" name="Chart 5"/>
+          <p:cNvGraphicFramePr>
+            <a:graphicFrameLocks noGrp="1"/>
+          </p:cNvGraphicFramePr>
+          <p:nvPr/>
+        </p:nvGraphicFramePr>
+        <p:xfrm>
+          <a:off x="731520" y="1097280"/>
+          <a:ext cx="9144000" cy="4572000"/>
+        </p:xfrm>
+        <a:graphic>
+          <a:graphicData uri="http://schemas.openxmlformats.org/drawingml/2006/chart">
+            <c:chart xmlns:c="http://schemas.openxmlformats.org/drawingml/2006/chart" r:id="rId4"/>
+          </a:graphicData>
+        </a:graphic>
+      </p:graphicFrame>
+      <p:sp>
+        <p:nvSpPr>
+          <p:cNvPr id="7" name="TextBox 6"/>
+          <p:cNvSpPr txBox="1"/>
+          <p:nvPr/>
+        </p:nvSpPr>
+        <p:spPr>
+          <a:xfrm>
+            <a:off x="8229600" y="6400800"/>
+            <a:ext cx="914400" cy="274320"/>
+          </a:xfrm>
+          <a:prstGeom prst="rect">
+            <a:avLst/>
+          </a:prstGeom>
+          <a:noFill/>
+        </p:spPr>
+        <p:txBody>
+          <a:bodyPr wrap="none">
+            <a:spAutoFit/>
+          </a:bodyPr>
+          <a:lstStyle/>
+          <a:p>
+            <a:pPr>
+              <a:defRPr sz="1000" b="1">
+                <a:solidFill>
+                  <a:srgbClr val="000000"/>
+                </a:solidFill>
+                <a:latin typeface="Montserrat"/>
+              </a:defRPr>
+            </a:pPr>
+            <a:r>
+              <a:t>Page 5</a:t>
+            </a:r>
+          </a:p>
+        </p:txBody>
+      </p:sp>
+    </p:spTree>
+  </p:cSld>
+  <p:clrMapOvr>
+    <a:masterClrMapping/>
+  </p:clrMapOvr>
+</p:sld>
+</file>
+
+<file path=ppt/slides/slide7.xml><?xml version="1.0" encoding="utf-8"?>
+<p:sld xmlns:a="http://schemas.openxmlformats.org/drawingml/2006/main" xmlns:p="http://schemas.openxmlformats.org/presentationml/2006/main" xmlns:r="http://schemas.openxmlformats.org/officeDocument/2006/relationships">
+  <p:cSld>
+    <p:bg>
+      <p:bgPr>
+        <a:gradFill rotWithShape="1">
+          <a:gsLst>
+            <a:gs pos="0">
+              <a:srgbClr val="FFFFFF"/>
+            </a:gs>
+            <a:gs pos="100000">
+              <a:srgbClr val="FFFFFF"/>
+            </a:gs>
+          </a:gsLst>
+          <a:lin scaled="0"/>
+        </a:gradFill>
+        <a:effectLst/>
+      </p:bgPr>
+    </p:bg>
+    <p:spTree>
+      <p:nvGrpSpPr>
+        <p:cNvPr id="1" name=""/>
+        <p:cNvGrpSpPr/>
+        <p:nvPr/>
+      </p:nvGrpSpPr>
+      <p:grpSpPr/>
+      <p:pic>
+        <p:nvPicPr>
+          <p:cNvPr id="2" name="Picture 1" descr="dueexpert.png"/>
+          <p:cNvPicPr>
+            <a:picLocks noChangeAspect="1"/>
+          </p:cNvPicPr>
+          <p:nvPr/>
+        </p:nvPicPr>
+        <p:blipFill>
+          <a:blip r:embed="rId2"/>
+          <a:stretch>
+            <a:fillRect/>
+          </a:stretch>
+        </p:blipFill>
+        <p:spPr>
+          <a:xfrm>
+            <a:off x="274320" y="91440"/>
+            <a:ext cx="2342917" cy="548640"/>
+          </a:xfrm>
+          <a:prstGeom prst="rect">
+            <a:avLst/>
+          </a:prstGeom>
+        </p:spPr>
+      </p:pic>
+      <p:pic>
+        <p:nvPicPr>
+          <p:cNvPr id="3" name="Picture 2" descr="VALUE.png"/>
+          <p:cNvPicPr>
+            <a:picLocks noChangeAspect="1"/>
+          </p:cNvPicPr>
+          <p:nvPr/>
+        </p:nvPicPr>
+        <p:blipFill>
+          <a:blip r:embed="rId3"/>
+          <a:stretch>
+            <a:fillRect/>
+          </a:stretch>
+        </p:blipFill>
+        <p:spPr>
+          <a:xfrm>
+            <a:off x="9418320" y="6126480"/>
+            <a:ext cx="1405150" cy="548640"/>
+          </a:xfrm>
+          <a:prstGeom prst="rect">
+            <a:avLst/>
+          </a:prstGeom>
+        </p:spPr>
+      </p:pic>
+      <p:sp>
+        <p:nvSpPr>
+          <p:cNvPr id="4" name="TextBox 3"/>
+          <p:cNvSpPr txBox="1"/>
+          <p:nvPr/>
+        </p:nvSpPr>
+        <p:spPr>
+          <a:xfrm>
+            <a:off x="457200" y="6400800"/>
+            <a:ext cx="8229600" cy="274320"/>
+          </a:xfrm>
+          <a:prstGeom prst="rect">
+            <a:avLst/>
+          </a:prstGeom>
+          <a:noFill/>
+        </p:spPr>
+        <p:txBody>
+          <a:bodyPr wrap="none">
+            <a:spAutoFit/>
+          </a:bodyPr>
+          <a:lstStyle/>
+          <a:p>
+            <a:pPr>
+              <a:defRPr sz="1000" b="1">
+                <a:solidFill>
+                  <a:srgbClr val="000000"/>
+                </a:solidFill>
+                <a:latin typeface="Montserrat"/>
+              </a:defRPr>
+            </a:pPr>
+            <a:r>
+              <a:t>DueXpert – AI Crypto Fund Due Diligence Suite | Recommendations</a:t>
+            </a:r>
+          </a:p>
+        </p:txBody>
+      </p:sp>
+      <p:sp>
+        <p:nvSpPr>
+          <p:cNvPr id="5" name="TextBox 4"/>
+          <p:cNvSpPr txBox="1"/>
+          <p:nvPr/>
+        </p:nvSpPr>
+        <p:spPr>
+          <a:xfrm>
+            <a:off x="731520" y="457200"/>
+            <a:ext cx="7315200" cy="457200"/>
+          </a:xfrm>
+          <a:prstGeom prst="rect">
+            <a:avLst/>
+          </a:prstGeom>
+          <a:noFill/>
+        </p:spPr>
+        <p:txBody>
+          <a:bodyPr wrap="none">
+            <a:spAutoFit/>
+          </a:bodyPr>
+          <a:lstStyle/>
+          <a:p>
+            <a:pPr>
+              <a:defRPr sz="2400" b="1">
+                <a:solidFill>
+                  <a:srgbClr val="365FC7"/>
+                </a:solidFill>
+                <a:latin typeface="Montserrat"/>
+              </a:defRPr>
+            </a:pPr>
+            <a:r>
+              <a:t>6. Recommendations</a:t>
+            </a:r>
+          </a:p>
+        </p:txBody>
+      </p:sp>
+      <p:sp>
+        <p:nvSpPr>
+          <p:cNvPr id="6" name="TextBox 5"/>
+          <p:cNvSpPr txBox="1"/>
+          <p:nvPr/>
+        </p:nvSpPr>
+        <p:spPr>
+          <a:xfrm>
+            <a:off x="731520" y="1097280"/>
+            <a:ext cx="9144000" cy="5029200"/>
+          </a:xfrm>
+          <a:prstGeom prst="rect">
+            <a:avLst/>
+          </a:prstGeom>
+          <a:noFill/>
+        </p:spPr>
+        <p:txBody>
+          <a:bodyPr wrap="square">
+            <a:spAutoFit/>
+          </a:bodyPr>
+          <a:lstStyle/>
+          <a:p>
+            <a:pPr>
+              <a:defRPr sz="1200">
+                <a:solidFill>
+                  <a:srgbClr val="000000"/>
+                </a:solidFill>
+                <a:latin typeface="Montserrat"/>
+              </a:defRPr>
+            </a:pPr>
+            <a:r>
+              <a:t>- Strengthen AML / KYC: High risk detected (100.0). Address missing criteria: AML policies, KYC procedures, compliance measures....</a:t>
+            </a:r>
+          </a:p>
+          <a:p>
+            <a:pPr>
+              <a:defRPr sz="1200">
+                <a:solidFill>
+                  <a:srgbClr val="000000"/>
+                </a:solidFill>
+                <a:latin typeface="Montserrat"/>
+              </a:defRPr>
+            </a:pPr>
+            <a:r>
+              <a:t>- Review Custody &amp; Asset Security: Moderate risk (50.0). Ensure compliance with asset storage, asset ownership verification.</a:t>
+            </a:r>
+          </a:p>
+          <a:p>
+            <a:pPr>
+              <a:defRPr sz="1200">
+                <a:solidFill>
+                  <a:srgbClr val="000000"/>
+                </a:solidFill>
+                <a:latin typeface="Montserrat"/>
+              </a:defRPr>
+            </a:pPr>
+            <a:r>
+              <a:t>- Review Cybersecurity &amp; Data Privacy: Moderate risk (30.0). Ensure compliance with .</a:t>
+            </a:r>
+          </a:p>
+          <a:p>
+            <a:pPr>
+              <a:defRPr sz="1200">
+                <a:solidFill>
+                  <a:srgbClr val="000000"/>
+                </a:solidFill>
+                <a:latin typeface="Montserrat"/>
+              </a:defRPr>
+            </a:pPr>
+            <a:r>
+              <a:t>- Review Governance: Moderate risk (43.2). Ensure compliance with conflict of interest policies, external audits....</a:t>
+            </a:r>
+          </a:p>
+          <a:p>
+            <a:pPr>
+              <a:defRPr sz="1200">
+                <a:solidFill>
+                  <a:srgbClr val="000000"/>
+                </a:solidFill>
+                <a:latin typeface="Montserrat"/>
+              </a:defRPr>
+            </a:pPr>
+            <a:r>
+              <a:t>- Strengthen Legal &amp; Regulatory: High risk detected (62.5). Address missing criteria: international law compliance, sanctions monitoring.</a:t>
+            </a:r>
+          </a:p>
+        </p:txBody>
+      </p:sp>
+      <p:sp>
+        <p:nvSpPr>
+          <p:cNvPr id="7" name="TextBox 6"/>
+          <p:cNvSpPr txBox="1"/>
+          <p:nvPr/>
+        </p:nvSpPr>
+        <p:spPr>
+          <a:xfrm>
+            <a:off x="8229600" y="6400800"/>
+            <a:ext cx="914400" cy="274320"/>
+          </a:xfrm>
+          <a:prstGeom prst="rect">
+            <a:avLst/>
+          </a:prstGeom>
+          <a:noFill/>
+        </p:spPr>
+        <p:txBody>
+          <a:bodyPr wrap="none">
+            <a:spAutoFit/>
+          </a:bodyPr>
+          <a:lstStyle/>
+          <a:p>
+            <a:pPr>
+              <a:defRPr sz="1000" b="1">
+                <a:solidFill>
+                  <a:srgbClr val="000000"/>
+                </a:solidFill>
+                <a:latin typeface="Montserrat"/>
+              </a:defRPr>
+            </a:pPr>
+            <a:r>
+              <a:t>Page 6</a:t>
             </a:r>
           </a:p>
         </p:txBody>
